--- a/Modelo_Hibrido_Analisis_Sentimientos_Actualizado.pptx
+++ b/Modelo_Hibrido_Analisis_Sentimientos_Actualizado.pptx
@@ -10625,7 +10625,7 @@
           </a:r>
           <a:r>
             <a:rPr lang="es-MX" dirty="0" err="1"/>
-            <a:t>tokenización</a:t>
+            <a:t>tokentización</a:t>
           </a:r>
           <a:r>
             <a:rPr lang="es-MX" dirty="0"/>
@@ -15176,7 +15176,7 @@
           </a:r>
           <a:r>
             <a:rPr lang="es-MX" sz="2400" kern="1200" dirty="0" err="1"/>
-            <a:t>tokenización</a:t>
+            <a:t>tokentización</a:t>
           </a:r>
           <a:r>
             <a:rPr lang="es-MX" sz="2400" kern="1200" dirty="0"/>
@@ -31593,14 +31593,14 @@
           </a:ln>
           <a:extLst>
             <a:ext uri="{909E8E84-426E-40dd-AFC4-6F175D3DCCD1}">
-              <a14:hiddenFill xmlns:a14="http://schemas.microsoft.com/office/drawing/2010/main" xmlns="">
+              <a14:hiddenFill xmlns="" xmlns:a14="http://schemas.microsoft.com/office/drawing/2010/main">
                 <a:solidFill>
                   <a:srgbClr val="FFFFFF"/>
                 </a:solidFill>
               </a14:hiddenFill>
             </a:ext>
             <a:ext uri="{91240B29-F687-4f45-9708-019B960494DF}">
-              <a14:hiddenLine xmlns:a14="http://schemas.microsoft.com/office/drawing/2010/main" xmlns="" w="9525">
+              <a14:hiddenLine xmlns="" xmlns:a14="http://schemas.microsoft.com/office/drawing/2010/main" w="9525">
                 <a:solidFill>
                   <a:srgbClr val="000000"/>
                 </a:solidFill>
@@ -32163,14 +32163,14 @@
           </a:ln>
           <a:extLst>
             <a:ext uri="{909E8E84-426E-40dd-AFC4-6F175D3DCCD1}">
-              <a14:hiddenFill xmlns:a14="http://schemas.microsoft.com/office/drawing/2010/main" xmlns="">
+              <a14:hiddenFill xmlns="" xmlns:a14="http://schemas.microsoft.com/office/drawing/2010/main">
                 <a:solidFill>
                   <a:srgbClr val="FFFFFF"/>
                 </a:solidFill>
               </a14:hiddenFill>
             </a:ext>
             <a:ext uri="{91240B29-F687-4f45-9708-019B960494DF}">
-              <a14:hiddenLine xmlns:a14="http://schemas.microsoft.com/office/drawing/2010/main" xmlns="" w="9525">
+              <a14:hiddenLine xmlns="" xmlns:a14="http://schemas.microsoft.com/office/drawing/2010/main" w="9525">
                 <a:solidFill>
                   <a:srgbClr val="000000"/>
                 </a:solidFill>
@@ -32374,14 +32374,14 @@
           </a:ln>
           <a:extLst>
             <a:ext uri="{909E8E84-426E-40dd-AFC4-6F175D3DCCD1}">
-              <a14:hiddenFill xmlns:a14="http://schemas.microsoft.com/office/drawing/2010/main" xmlns="">
+              <a14:hiddenFill xmlns="" xmlns:a14="http://schemas.microsoft.com/office/drawing/2010/main">
                 <a:solidFill>
                   <a:srgbClr val="FFFFFF"/>
                 </a:solidFill>
               </a14:hiddenFill>
             </a:ext>
             <a:ext uri="{91240B29-F687-4f45-9708-019B960494DF}">
-              <a14:hiddenLine xmlns:a14="http://schemas.microsoft.com/office/drawing/2010/main" xmlns="" w="9525">
+              <a14:hiddenLine xmlns="" xmlns:a14="http://schemas.microsoft.com/office/drawing/2010/main" w="9525">
                 <a:solidFill>
                   <a:srgbClr val="000000"/>
                 </a:solidFill>
@@ -34027,14 +34027,14 @@
           </a:ln>
           <a:extLst>
             <a:ext uri="{909E8E84-426E-40dd-AFC4-6F175D3DCCD1}">
-              <a14:hiddenFill xmlns:a14="http://schemas.microsoft.com/office/drawing/2010/main" xmlns="">
+              <a14:hiddenFill xmlns="" xmlns:a14="http://schemas.microsoft.com/office/drawing/2010/main">
                 <a:solidFill>
                   <a:srgbClr val="FFFFFF"/>
                 </a:solidFill>
               </a14:hiddenFill>
             </a:ext>
             <a:ext uri="{91240B29-F687-4f45-9708-019B960494DF}">
-              <a14:hiddenLine xmlns:a14="http://schemas.microsoft.com/office/drawing/2010/main" xmlns="" w="9525">
+              <a14:hiddenLine xmlns="" xmlns:a14="http://schemas.microsoft.com/office/drawing/2010/main" w="9525">
                 <a:solidFill>
                   <a:srgbClr val="000000"/>
                 </a:solidFill>
@@ -34086,14 +34086,14 @@
           </a:ln>
           <a:extLst>
             <a:ext uri="{909E8E84-426E-40dd-AFC4-6F175D3DCCD1}">
-              <a14:hiddenFill xmlns:a14="http://schemas.microsoft.com/office/drawing/2010/main" xmlns="">
+              <a14:hiddenFill xmlns="" xmlns:a14="http://schemas.microsoft.com/office/drawing/2010/main">
                 <a:solidFill>
                   <a:srgbClr val="FFFFFF"/>
                 </a:solidFill>
               </a14:hiddenFill>
             </a:ext>
             <a:ext uri="{91240B29-F687-4f45-9708-019B960494DF}">
-              <a14:hiddenLine xmlns:a14="http://schemas.microsoft.com/office/drawing/2010/main" xmlns="" w="9525">
+              <a14:hiddenLine xmlns="" xmlns:a14="http://schemas.microsoft.com/office/drawing/2010/main" w="9525">
                 <a:solidFill>
                   <a:srgbClr val="000000"/>
                 </a:solidFill>
@@ -34771,8 +34771,8 @@
         </p:nvSpPr>
         <p:spPr>
           <a:xfrm>
-            <a:off x="2667000" y="2170001"/>
-            <a:ext cx="7586272" cy="1663447"/>
+            <a:off x="2413416" y="2170001"/>
+            <a:ext cx="7839856" cy="1663447"/>
           </a:xfrm>
         </p:spPr>
         <p:txBody>
@@ -34808,6 +34808,10 @@
             <a:r>
               <a:rPr sz="3100" dirty="0" err="1"/>
               <a:t>Neuronales</a:t>
+            </a:r>
+            <a:r>
+              <a:rPr lang="es-MX" sz="3100" dirty="0"/>
+              <a:t> </a:t>
             </a:r>
             <a:r>
               <a:rPr lang="es-ES" sz="3100" dirty="0"/>
@@ -34865,8 +34869,12 @@
           </a:p>
           <a:p>
             <a:r>
+              <a:rPr lang="es-MX" dirty="0" err="1"/>
+              <a:t>Co-autor</a:t>
+            </a:r>
+            <a:r>
               <a:rPr lang="es-MX" dirty="0"/>
-              <a:t>Coautor:</a:t>
+              <a:t>:</a:t>
             </a:r>
           </a:p>
           <a:p>
@@ -34978,7 +34986,15 @@
             </a:br>
             <a:r>
               <a:rPr lang="es-MX" sz="2400" dirty="0"/>
-              <a:t>Un ejemplo relevante es el uso de modelos como BERT (García &amp; López, 2020) que permite entender el contexto profundo de las palabras y mejorar la precisión en análisis de sentimientos hasta en un 30%. Estos modelos procesan texto en múltiples capas, capturando relaciones semánticas complejas entre palabras y frases.</a:t>
+              <a:t>Un ejemplo relevante es el uso de modelos como </a:t>
+            </a:r>
+            <a:r>
+              <a:rPr lang="es-MX" sz="2400"/>
+              <a:t>BERT(Representación de codificador bidireccional a partir de transformadores) </a:t>
+            </a:r>
+            <a:r>
+              <a:rPr lang="es-MX" sz="2400" dirty="0"/>
+              <a:t>(García &amp; López, 2020) que permite entender el contexto profundo de las palabras y mejorar la precisión en análisis de sentimientos hasta en un 30%. Estos modelos procesan texto en múltiples capas, capturando relaciones semánticas complejas entre palabras y frases.</a:t>
             </a:r>
           </a:p>
           <a:p>
@@ -37215,14 +37231,14 @@
           </a:ln>
           <a:extLst>
             <a:ext uri="{909E8E84-426E-40dd-AFC4-6F175D3DCCD1}">
-              <a14:hiddenFill xmlns:a14="http://schemas.microsoft.com/office/drawing/2010/main" xmlns="">
+              <a14:hiddenFill xmlns="" xmlns:a14="http://schemas.microsoft.com/office/drawing/2010/main">
                 <a:solidFill>
                   <a:srgbClr val="FFFFFF"/>
                 </a:solidFill>
               </a14:hiddenFill>
             </a:ext>
             <a:ext uri="{91240B29-F687-4f45-9708-019B960494DF}">
-              <a14:hiddenLine xmlns:a14="http://schemas.microsoft.com/office/drawing/2010/main" xmlns="" w="9525">
+              <a14:hiddenLine xmlns="" xmlns:a14="http://schemas.microsoft.com/office/drawing/2010/main" w="9525">
                 <a:solidFill>
                   <a:srgbClr val="000000"/>
                 </a:solidFill>
@@ -38381,8 +38397,8 @@
         </p:nvSpPr>
         <p:spPr>
           <a:xfrm>
-            <a:off x="946878" y="888576"/>
-            <a:ext cx="10298243" cy="1675137"/>
+            <a:off x="482183" y="911125"/>
+            <a:ext cx="10762939" cy="1675137"/>
           </a:xfrm>
         </p:spPr>
         <p:txBody>
@@ -38392,100 +38408,100 @@
           <a:lstStyle/>
           <a:p>
             <a:r>
-              <a:rPr lang="es-MX" sz="2000" b="1" dirty="0"/>
+              <a:rPr lang="es-MX" sz="2400" b="1" dirty="0"/>
               <a:t>Objetivo</a:t>
             </a:r>
             <a:r>
-              <a:rPr sz="2000" b="1" dirty="0"/>
+              <a:rPr sz="2400" b="1" dirty="0"/>
               <a:t> General</a:t>
             </a:r>
           </a:p>
           <a:p>
             <a:r>
-              <a:rPr lang="es-CO" sz="2000" dirty="0"/>
+              <a:rPr lang="es-CO" sz="2400" dirty="0"/>
               <a:t> </a:t>
             </a:r>
             <a:r>
-              <a:rPr sz="2000" dirty="0" err="1"/>
+              <a:rPr sz="2400" dirty="0" err="1"/>
               <a:t>Diseñar</a:t>
             </a:r>
             <a:r>
-              <a:rPr sz="2000" dirty="0"/>
+              <a:rPr sz="2400" dirty="0"/>
               <a:t> un </a:t>
             </a:r>
             <a:r>
-              <a:rPr sz="2000" dirty="0" err="1"/>
+              <a:rPr sz="2400" dirty="0" err="1"/>
               <a:t>modelo</a:t>
             </a:r>
             <a:r>
-              <a:rPr sz="2000" dirty="0"/>
+              <a:rPr sz="2400" dirty="0"/>
               <a:t> </a:t>
             </a:r>
             <a:r>
-              <a:rPr sz="2000" dirty="0" err="1"/>
+              <a:rPr sz="2400" dirty="0" err="1"/>
               <a:t>híbrido</a:t>
             </a:r>
             <a:r>
-              <a:rPr sz="2000" dirty="0"/>
+              <a:rPr sz="2400" dirty="0"/>
               <a:t> de </a:t>
             </a:r>
             <a:r>
-              <a:rPr sz="2000" dirty="0" err="1"/>
+              <a:rPr sz="2400" dirty="0" err="1"/>
               <a:t>autómatas</a:t>
             </a:r>
             <a:r>
-              <a:rPr sz="2000" dirty="0"/>
+              <a:rPr sz="2400" dirty="0"/>
               <a:t> y redes </a:t>
             </a:r>
             <a:r>
-              <a:rPr sz="2000" dirty="0" err="1"/>
+              <a:rPr sz="2400" dirty="0" err="1"/>
               <a:t>neuronales</a:t>
             </a:r>
             <a:r>
-              <a:rPr sz="2000" dirty="0"/>
+              <a:rPr sz="2400" dirty="0"/>
               <a:t> para </a:t>
             </a:r>
             <a:r>
-              <a:rPr sz="2000" dirty="0" err="1"/>
+              <a:rPr sz="2400" dirty="0" err="1"/>
               <a:t>mejorar</a:t>
             </a:r>
             <a:r>
-              <a:rPr sz="2000" dirty="0"/>
+              <a:rPr sz="2400" dirty="0"/>
               <a:t> la </a:t>
             </a:r>
             <a:r>
-              <a:rPr sz="2000" dirty="0" err="1"/>
+              <a:rPr sz="2400" dirty="0" err="1"/>
               <a:t>detección</a:t>
             </a:r>
             <a:r>
-              <a:rPr sz="2000" dirty="0"/>
+              <a:rPr sz="2400" dirty="0"/>
               <a:t> de </a:t>
             </a:r>
             <a:r>
-              <a:rPr lang="es-MX" sz="2000" dirty="0"/>
+              <a:rPr lang="es-MX" sz="2400" dirty="0"/>
               <a:t>sentimientos</a:t>
             </a:r>
             <a:r>
-              <a:rPr sz="2000" dirty="0"/>
+              <a:rPr sz="2400" dirty="0"/>
               <a:t> en </a:t>
             </a:r>
             <a:r>
-              <a:rPr sz="2000" dirty="0" err="1"/>
+              <a:rPr sz="2400" dirty="0" err="1"/>
               <a:t>textos</a:t>
             </a:r>
             <a:r>
-              <a:rPr sz="2000" dirty="0"/>
+              <a:rPr sz="2400" dirty="0"/>
               <a:t> </a:t>
             </a:r>
             <a:r>
-              <a:rPr sz="2000" dirty="0" err="1"/>
+              <a:rPr sz="2400" dirty="0" err="1"/>
               <a:t>complejos</a:t>
             </a:r>
             <a:r>
-              <a:rPr sz="2000" dirty="0"/>
+              <a:rPr sz="2400" dirty="0"/>
               <a:t>.</a:t>
             </a:r>
-            <a:endParaRPr lang="es-MX" sz="2000" dirty="0"/>
+            <a:endParaRPr lang="es-MX" sz="2400" dirty="0"/>
           </a:p>
           <a:p>
             <a:pPr algn="ctr"/>
@@ -38840,7 +38856,7 @@
             <p:ph idx="1"/>
             <p:extLst>
               <p:ext uri="{D42A27DB-BD31-4B8C-83A1-F6EECF244321}">
-                <p14:modId xmlns:p14="http://schemas.microsoft.com/office/powerpoint/2010/main" val="1047459734"/>
+                <p14:modId xmlns:p14="http://schemas.microsoft.com/office/powerpoint/2010/main" val="2748037788"/>
               </p:ext>
             </p:extLst>
           </p:nvPr>
